--- a/www/LANDSCAPE_RESILIENCE.pptx
+++ b/www/LANDSCAPE_RESILIENCE.pptx
@@ -227,7 +227,7 @@
           <a:p>
             <a:fld id="{6DF04430-EB95-4461-BE68-2466FDCE3B9D}" type="datetimeFigureOut">
               <a:rPr lang="en-CA" smtClean="0"/>
-              <a:t>2023-09-14</a:t>
+              <a:t>2023-09-19</a:t>
             </a:fld>
             <a:endParaRPr lang="en-CA"/>
           </a:p>
@@ -2595,7 +2595,7 @@
           <a:p>
             <a:fld id="{6F75FF30-D88A-4C26-A396-735F208F6573}" type="datetimeFigureOut">
               <a:rPr lang="en-US" smtClean="0"/>
-              <a:t>9/14/2023</a:t>
+              <a:t>9/19/2023</a:t>
             </a:fld>
             <a:endParaRPr lang="en-US"/>
           </a:p>
@@ -2795,7 +2795,7 @@
           <a:p>
             <a:fld id="{6F75FF30-D88A-4C26-A396-735F208F6573}" type="datetimeFigureOut">
               <a:rPr lang="en-US" smtClean="0"/>
-              <a:t>9/14/2023</a:t>
+              <a:t>9/19/2023</a:t>
             </a:fld>
             <a:endParaRPr lang="en-US"/>
           </a:p>
@@ -3005,7 +3005,7 @@
           <a:p>
             <a:fld id="{6F75FF30-D88A-4C26-A396-735F208F6573}" type="datetimeFigureOut">
               <a:rPr lang="en-US" smtClean="0"/>
-              <a:t>9/14/2023</a:t>
+              <a:t>9/19/2023</a:t>
             </a:fld>
             <a:endParaRPr lang="en-US"/>
           </a:p>
@@ -3146,7 +3146,7 @@
           <a:p>
             <a:fld id="{6F75FF30-D88A-4C26-A396-735F208F6573}" type="datetimeFigureOut">
               <a:rPr lang="en-US" smtClean="0"/>
-              <a:t>9/14/2023</a:t>
+              <a:t>9/19/2023</a:t>
             </a:fld>
             <a:endParaRPr lang="en-US"/>
           </a:p>
@@ -3346,7 +3346,7 @@
           <a:p>
             <a:fld id="{6F75FF30-D88A-4C26-A396-735F208F6573}" type="datetimeFigureOut">
               <a:rPr lang="en-US" smtClean="0"/>
-              <a:t>9/14/2023</a:t>
+              <a:t>9/19/2023</a:t>
             </a:fld>
             <a:endParaRPr lang="en-US"/>
           </a:p>
@@ -3628,7 +3628,7 @@
           <a:p>
             <a:fld id="{6F75FF30-D88A-4C26-A396-735F208F6573}" type="datetimeFigureOut">
               <a:rPr lang="en-US" smtClean="0"/>
-              <a:t>9/14/2023</a:t>
+              <a:t>9/19/2023</a:t>
             </a:fld>
             <a:endParaRPr lang="en-US"/>
           </a:p>
@@ -3896,7 +3896,7 @@
           <a:p>
             <a:fld id="{6F75FF30-D88A-4C26-A396-735F208F6573}" type="datetimeFigureOut">
               <a:rPr lang="en-US" smtClean="0"/>
-              <a:t>9/14/2023</a:t>
+              <a:t>9/19/2023</a:t>
             </a:fld>
             <a:endParaRPr lang="en-US"/>
           </a:p>
@@ -4311,7 +4311,7 @@
           <a:p>
             <a:fld id="{6F75FF30-D88A-4C26-A396-735F208F6573}" type="datetimeFigureOut">
               <a:rPr lang="en-US" smtClean="0"/>
-              <a:t>9/14/2023</a:t>
+              <a:t>9/19/2023</a:t>
             </a:fld>
             <a:endParaRPr lang="en-US"/>
           </a:p>
@@ -4453,7 +4453,7 @@
           <a:p>
             <a:fld id="{6F75FF30-D88A-4C26-A396-735F208F6573}" type="datetimeFigureOut">
               <a:rPr lang="en-US" smtClean="0"/>
-              <a:t>9/14/2023</a:t>
+              <a:t>9/19/2023</a:t>
             </a:fld>
             <a:endParaRPr lang="en-US"/>
           </a:p>
@@ -4566,7 +4566,7 @@
           <a:p>
             <a:fld id="{6F75FF30-D88A-4C26-A396-735F208F6573}" type="datetimeFigureOut">
               <a:rPr lang="en-US" smtClean="0"/>
-              <a:t>9/14/2023</a:t>
+              <a:t>9/19/2023</a:t>
             </a:fld>
             <a:endParaRPr lang="en-US"/>
           </a:p>
@@ -4879,7 +4879,7 @@
           <a:p>
             <a:fld id="{6F75FF30-D88A-4C26-A396-735F208F6573}" type="datetimeFigureOut">
               <a:rPr lang="en-US" smtClean="0"/>
-              <a:t>9/14/2023</a:t>
+              <a:t>9/19/2023</a:t>
             </a:fld>
             <a:endParaRPr lang="en-US"/>
           </a:p>
@@ -5158,7 +5158,7 @@
           <a:p>
             <a:fld id="{6F75FF30-D88A-4C26-A396-735F208F6573}" type="datetimeFigureOut">
               <a:rPr lang="en-US" smtClean="0"/>
-              <a:t>9/14/2023</a:t>
+              <a:t>9/19/2023</a:t>
             </a:fld>
             <a:endParaRPr lang="en-US"/>
           </a:p>
@@ -14329,7 +14329,7 @@
         </p:spPr>
         <p:txBody>
           <a:bodyPr>
-            <a:normAutofit lnSpcReduction="10000"/>
+            <a:normAutofit fontScale="92500" lnSpcReduction="10000"/>
           </a:bodyPr>
           <a:lstStyle/>
           <a:p>
@@ -14356,49 +14356,94 @@
               </a:spcBef>
             </a:pPr>
             <a:r>
-              <a:rPr lang="en-US" sz="1700" dirty="0">
+              <a:rPr lang="en-US" sz="1700">
                 <a:solidFill>
                   <a:srgbClr val="000000"/>
                 </a:solidFill>
                 <a:latin typeface="Open Sans" panose="020B0606030504020204" pitchFamily="34" charset="0"/>
               </a:rPr>
-              <a:t>To strategically protect lands that </a:t>
-            </a:r>
-            <a:r>
-              <a:rPr lang="en-US" sz="1700" b="1" dirty="0">
+              <a:t>Addressing the </a:t>
+            </a:r>
+            <a:r>
+              <a:rPr lang="en-US" sz="1700" dirty="0">
                 <a:solidFill>
                   <a:srgbClr val="000000"/>
                 </a:solidFill>
                 <a:latin typeface="Open Sans" panose="020B0606030504020204" pitchFamily="34" charset="0"/>
               </a:rPr>
-              <a:t>capture </a:t>
-            </a:r>
-            <a:r>
-              <a:rPr lang="en-US" sz="1700" dirty="0">
+              <a:t>existing protected area </a:t>
+            </a:r>
+            <a:r>
+              <a:rPr lang="en-US" sz="1700" b="1" dirty="0">
                 <a:solidFill>
                   <a:srgbClr val="000000"/>
                 </a:solidFill>
                 <a:latin typeface="Open Sans" panose="020B0606030504020204" pitchFamily="34" charset="0"/>
               </a:rPr>
-              <a:t>species redundancy and</a:t>
-            </a:r>
-            <a:r>
-              <a:rPr lang="en-US" sz="1700" b="1" dirty="0">
+              <a:t>gaps</a:t>
+            </a:r>
+            <a:r>
+              <a:rPr lang="en-US" sz="1700" dirty="0">
                 <a:solidFill>
                   <a:srgbClr val="000000"/>
                 </a:solidFill>
                 <a:latin typeface="Open Sans" panose="020B0606030504020204" pitchFamily="34" charset="0"/>
               </a:rPr>
-              <a:t> promote</a:t>
-            </a:r>
-            <a:r>
-              <a:rPr lang="en-US" sz="1700" dirty="0">
+              <a:t> to better </a:t>
+            </a:r>
+            <a:r>
+              <a:rPr lang="en-US" sz="1700" b="1" dirty="0">
                 <a:solidFill>
                   <a:srgbClr val="000000"/>
                 </a:solidFill>
                 <a:latin typeface="Open Sans" panose="020B0606030504020204" pitchFamily="34" charset="0"/>
               </a:rPr>
-              <a:t> connectivity. </a:t>
+              <a:t>represent</a:t>
+            </a:r>
+            <a:r>
+              <a:rPr lang="en-US" sz="1700" dirty="0">
+                <a:solidFill>
+                  <a:srgbClr val="000000"/>
+                </a:solidFill>
+                <a:latin typeface="Open Sans" panose="020B0606030504020204" pitchFamily="34" charset="0"/>
+              </a:rPr>
+              <a:t> ecosystems, increase </a:t>
+            </a:r>
+            <a:r>
+              <a:rPr lang="en-US" sz="1700" b="1" dirty="0">
+                <a:solidFill>
+                  <a:srgbClr val="000000"/>
+                </a:solidFill>
+                <a:latin typeface="Open Sans" panose="020B0606030504020204" pitchFamily="34" charset="0"/>
+              </a:rPr>
+              <a:t>connectivity</a:t>
+            </a:r>
+            <a:r>
+              <a:rPr lang="en-US" sz="1700" dirty="0">
+                <a:solidFill>
+                  <a:srgbClr val="000000"/>
+                </a:solidFill>
+                <a:latin typeface="Open Sans" panose="020B0606030504020204" pitchFamily="34" charset="0"/>
+              </a:rPr>
+              <a:t> and promote species </a:t>
+            </a:r>
+            <a:r>
+              <a:rPr lang="en-US" sz="1700" b="1" dirty="0">
+                <a:solidFill>
+                  <a:srgbClr val="000000"/>
+                </a:solidFill>
+                <a:latin typeface="Open Sans" panose="020B0606030504020204" pitchFamily="34" charset="0"/>
+              </a:rPr>
+              <a:t>persistence</a:t>
+            </a:r>
+            <a:r>
+              <a:rPr lang="en-US" sz="1700" dirty="0">
+                <a:solidFill>
+                  <a:srgbClr val="000000"/>
+                </a:solidFill>
+                <a:latin typeface="Open Sans" panose="020B0606030504020204" pitchFamily="34" charset="0"/>
+              </a:rPr>
+              <a:t> within intact landscapes.</a:t>
             </a:r>
           </a:p>
           <a:p>
@@ -14474,13 +14519,14 @@
             </a:r>
           </a:p>
           <a:p>
-            <a:pPr>
+            <a:pPr marL="0" indent="0">
               <a:lnSpc>
                 <a:spcPct val="130000"/>
               </a:lnSpc>
               <a:spcBef>
                 <a:spcPts val="400"/>
               </a:spcBef>
+              <a:buNone/>
             </a:pPr>
             <a:endParaRPr lang="en-US" sz="1700" dirty="0">
               <a:solidFill>
@@ -17371,6 +17417,75 @@
 </file>
 
 <file path=customXml/item1.xml><?xml version="1.0" encoding="utf-8"?>
+<p:properties xmlns:p="http://schemas.microsoft.com/office/2006/metadata/properties" xmlns:xsi="http://www.w3.org/2001/XMLSchema-instance" xmlns:pc="http://schemas.microsoft.com/office/infopath/2007/PartnerControls">
+  <documentManagement>
+    <TaxCatchAll xmlns="b73fb41d-4db5-49df-b889-ce373c40e3ec">
+      <Value>2</Value>
+      <Value>224</Value>
+      <Value>1585</Value>
+      <Value>3</Value>
+      <Value>1022</Value>
+      <Value>1598</Value>
+    </TaxCatchAll>
+    <Year xmlns="b73fb41d-4db5-49df-b889-ce373c40e3ec">2021</Year>
+    <TaxKeywordTaxHTField xmlns="b73fb41d-4db5-49df-b889-ce373c40e3ec">
+      <Terms xmlns="http://schemas.microsoft.com/office/infopath/2007/PartnerControls">
+        <TermInfo xmlns="http://schemas.microsoft.com/office/infopath/2007/PartnerControls">
+          <TermName xmlns="http://schemas.microsoft.com/office/infopath/2007/PartnerControls">16:9</TermName>
+          <TermId xmlns="http://schemas.microsoft.com/office/infopath/2007/PartnerControls">df0a0d5b-ae80-4841-b2fe-8ddcb8e3222c</TermId>
+        </TermInfo>
+        <TermInfo xmlns="http://schemas.microsoft.com/office/infopath/2007/PartnerControls">
+          <TermName xmlns="http://schemas.microsoft.com/office/infopath/2007/PartnerControls">Presentation</TermName>
+          <TermId xmlns="http://schemas.microsoft.com/office/infopath/2007/PartnerControls">59fc26f9-1c9d-40bc-8a58-d66d91dcc0d5</TermId>
+        </TermInfo>
+      </Terms>
+    </TaxKeywordTaxHTField>
+    <_dlc_DocId xmlns="9daf4fce-efdb-4f08-985f-94c0458ac4da">COLL-1941601530-77</_dlc_DocId>
+    <_dlc_DocIdUrl xmlns="9daf4fce-efdb-4f08-985f-94c0458ac4da">
+      <Url>https://itncc.sharepoint.com/sites/MarketingCollaboration/_layouts/DocIdRedir.aspx?ID=COLL-1941601530-77</Url>
+      <Description>COLL-1941601530-77</Description>
+    </_dlc_DocIdUrl>
+    <hf62e2b7c9654133b3ca7da47c388bce xmlns="b73fb41d-4db5-49df-b889-ce373c40e3ec">
+      <Terms xmlns="http://schemas.microsoft.com/office/infopath/2007/PartnerControls">
+        <TermInfo xmlns="http://schemas.microsoft.com/office/infopath/2007/PartnerControls">
+          <TermName xmlns="http://schemas.microsoft.com/office/infopath/2007/PartnerControls">Marketing and Development</TermName>
+          <TermId xmlns="http://schemas.microsoft.com/office/infopath/2007/PartnerControls">cb043f34-81be-43cd-aebf-735cc7c51d79</TermId>
+        </TermInfo>
+      </Terms>
+    </hf62e2b7c9654133b3ca7da47c388bce>
+    <e5445ced404845ff8a2b3be9c8f7c65c xmlns="b73fb41d-4db5-49df-b889-ce373c40e3ec">
+      <Terms xmlns="http://schemas.microsoft.com/office/infopath/2007/PartnerControls">
+        <TermInfo xmlns="http://schemas.microsoft.com/office/infopath/2007/PartnerControls">
+          <TermName xmlns="http://schemas.microsoft.com/office/infopath/2007/PartnerControls">National</TermName>
+          <TermId xmlns="http://schemas.microsoft.com/office/infopath/2007/PartnerControls">60e160cc-5b62-440e-88bf-c8c5292327f4</TermId>
+        </TermInfo>
+      </Terms>
+    </e5445ced404845ff8a2b3be9c8f7c65c>
+    <Topic xmlns="b73fb41d-4db5-49df-b889-ce373c40e3ec">Presentation</Topic>
+    <j851f0c75970476ca044f56c831142c9 xmlns="b73fb41d-4db5-49df-b889-ce373c40e3ec">
+      <Terms xmlns="http://schemas.microsoft.com/office/infopath/2007/PartnerControls">
+        <TermInfo xmlns="http://schemas.microsoft.com/office/infopath/2007/PartnerControls">
+          <TermName xmlns="http://schemas.microsoft.com/office/infopath/2007/PartnerControls">Editable Creative</TermName>
+          <TermId xmlns="http://schemas.microsoft.com/office/infopath/2007/PartnerControls">29fc3b9e-2d01-4eeb-9c55-b9ac82cf2c15</TermId>
+        </TermInfo>
+      </Terms>
+    </j851f0c75970476ca044f56c831142c9>
+    <h5d00e838cac4a36b66416c1ac0f08f4 xmlns="b73fb41d-4db5-49df-b889-ce373c40e3ec">
+      <Terms xmlns="http://schemas.microsoft.com/office/infopath/2007/PartnerControls"/>
+    </h5d00e838cac4a36b66416c1ac0f08f4>
+    <pde0b5a6bb7242599ac30d59622b742d xmlns="b73fb41d-4db5-49df-b889-ce373c40e3ec">
+      <Terms xmlns="http://schemas.microsoft.com/office/infopath/2007/PartnerControls">
+        <TermInfo xmlns="http://schemas.microsoft.com/office/infopath/2007/PartnerControls">
+          <TermName xmlns="http://schemas.microsoft.com/office/infopath/2007/PartnerControls">Administration</TermName>
+          <TermId xmlns="http://schemas.microsoft.com/office/infopath/2007/PartnerControls">15579f7e-1289-4124-875f-fbfdd1ce1e19</TermId>
+        </TermInfo>
+      </Terms>
+    </pde0b5a6bb7242599ac30d59622b742d>
+  </documentManagement>
+</p:properties>
+</file>
+
+<file path=customXml/item2.xml><?xml version="1.0" encoding="utf-8"?>
 <ct:contentTypeSchema xmlns:ct="http://schemas.microsoft.com/office/2006/metadata/contentType" xmlns:ma="http://schemas.microsoft.com/office/2006/metadata/properties/metaAttributes" ct:_="" ma:_="" ma:contentTypeName="Brand Development Document" ma:contentTypeID="0x01010070FD3A26C879A74592BE4DD1CF6C17C510020067E13304C532104281EC8A3037A9164A" ma:contentTypeVersion="11" ma:contentTypeDescription="" ma:contentTypeScope="" ma:versionID="a43c5f1fd3e888c7e6fddeb0e88e3abc">
   <xsd:schema xmlns:xsd="http://www.w3.org/2001/XMLSchema" xmlns:xs="http://www.w3.org/2001/XMLSchema" xmlns:p="http://schemas.microsoft.com/office/2006/metadata/properties" xmlns:ns2="b73fb41d-4db5-49df-b889-ce373c40e3ec" xmlns:ns3="9daf4fce-efdb-4f08-985f-94c0458ac4da" targetNamespace="http://schemas.microsoft.com/office/2006/metadata/properties" ma:root="true" ma:fieldsID="ac958db3d5748ff17de2fdf13965b786" ns2:_="" ns3:_="">
     <xsd:import namespace="b73fb41d-4db5-49df-b889-ce373c40e3ec"/>
@@ -17631,78 +17746,13 @@
 </ct:contentTypeSchema>
 </file>
 
-<file path=customXml/item2.xml><?xml version="1.0" encoding="utf-8"?>
-<p:properties xmlns:p="http://schemas.microsoft.com/office/2006/metadata/properties" xmlns:xsi="http://www.w3.org/2001/XMLSchema-instance" xmlns:pc="http://schemas.microsoft.com/office/infopath/2007/PartnerControls">
-  <documentManagement>
-    <TaxCatchAll xmlns="b73fb41d-4db5-49df-b889-ce373c40e3ec">
-      <Value>2</Value>
-      <Value>224</Value>
-      <Value>1585</Value>
-      <Value>3</Value>
-      <Value>1022</Value>
-      <Value>1598</Value>
-    </TaxCatchAll>
-    <Year xmlns="b73fb41d-4db5-49df-b889-ce373c40e3ec">2021</Year>
-    <TaxKeywordTaxHTField xmlns="b73fb41d-4db5-49df-b889-ce373c40e3ec">
-      <Terms xmlns="http://schemas.microsoft.com/office/infopath/2007/PartnerControls">
-        <TermInfo xmlns="http://schemas.microsoft.com/office/infopath/2007/PartnerControls">
-          <TermName xmlns="http://schemas.microsoft.com/office/infopath/2007/PartnerControls">16:9</TermName>
-          <TermId xmlns="http://schemas.microsoft.com/office/infopath/2007/PartnerControls">df0a0d5b-ae80-4841-b2fe-8ddcb8e3222c</TermId>
-        </TermInfo>
-        <TermInfo xmlns="http://schemas.microsoft.com/office/infopath/2007/PartnerControls">
-          <TermName xmlns="http://schemas.microsoft.com/office/infopath/2007/PartnerControls">Presentation</TermName>
-          <TermId xmlns="http://schemas.microsoft.com/office/infopath/2007/PartnerControls">59fc26f9-1c9d-40bc-8a58-d66d91dcc0d5</TermId>
-        </TermInfo>
-      </Terms>
-    </TaxKeywordTaxHTField>
-    <_dlc_DocId xmlns="9daf4fce-efdb-4f08-985f-94c0458ac4da">COLL-1941601530-77</_dlc_DocId>
-    <_dlc_DocIdUrl xmlns="9daf4fce-efdb-4f08-985f-94c0458ac4da">
-      <Url>https://itncc.sharepoint.com/sites/MarketingCollaboration/_layouts/DocIdRedir.aspx?ID=COLL-1941601530-77</Url>
-      <Description>COLL-1941601530-77</Description>
-    </_dlc_DocIdUrl>
-    <hf62e2b7c9654133b3ca7da47c388bce xmlns="b73fb41d-4db5-49df-b889-ce373c40e3ec">
-      <Terms xmlns="http://schemas.microsoft.com/office/infopath/2007/PartnerControls">
-        <TermInfo xmlns="http://schemas.microsoft.com/office/infopath/2007/PartnerControls">
-          <TermName xmlns="http://schemas.microsoft.com/office/infopath/2007/PartnerControls">Marketing and Development</TermName>
-          <TermId xmlns="http://schemas.microsoft.com/office/infopath/2007/PartnerControls">cb043f34-81be-43cd-aebf-735cc7c51d79</TermId>
-        </TermInfo>
-      </Terms>
-    </hf62e2b7c9654133b3ca7da47c388bce>
-    <e5445ced404845ff8a2b3be9c8f7c65c xmlns="b73fb41d-4db5-49df-b889-ce373c40e3ec">
-      <Terms xmlns="http://schemas.microsoft.com/office/infopath/2007/PartnerControls">
-        <TermInfo xmlns="http://schemas.microsoft.com/office/infopath/2007/PartnerControls">
-          <TermName xmlns="http://schemas.microsoft.com/office/infopath/2007/PartnerControls">National</TermName>
-          <TermId xmlns="http://schemas.microsoft.com/office/infopath/2007/PartnerControls">60e160cc-5b62-440e-88bf-c8c5292327f4</TermId>
-        </TermInfo>
-      </Terms>
-    </e5445ced404845ff8a2b3be9c8f7c65c>
-    <Topic xmlns="b73fb41d-4db5-49df-b889-ce373c40e3ec">Presentation</Topic>
-    <j851f0c75970476ca044f56c831142c9 xmlns="b73fb41d-4db5-49df-b889-ce373c40e3ec">
-      <Terms xmlns="http://schemas.microsoft.com/office/infopath/2007/PartnerControls">
-        <TermInfo xmlns="http://schemas.microsoft.com/office/infopath/2007/PartnerControls">
-          <TermName xmlns="http://schemas.microsoft.com/office/infopath/2007/PartnerControls">Editable Creative</TermName>
-          <TermId xmlns="http://schemas.microsoft.com/office/infopath/2007/PartnerControls">29fc3b9e-2d01-4eeb-9c55-b9ac82cf2c15</TermId>
-        </TermInfo>
-      </Terms>
-    </j851f0c75970476ca044f56c831142c9>
-    <h5d00e838cac4a36b66416c1ac0f08f4 xmlns="b73fb41d-4db5-49df-b889-ce373c40e3ec">
-      <Terms xmlns="http://schemas.microsoft.com/office/infopath/2007/PartnerControls"/>
-    </h5d00e838cac4a36b66416c1ac0f08f4>
-    <pde0b5a6bb7242599ac30d59622b742d xmlns="b73fb41d-4db5-49df-b889-ce373c40e3ec">
-      <Terms xmlns="http://schemas.microsoft.com/office/infopath/2007/PartnerControls">
-        <TermInfo xmlns="http://schemas.microsoft.com/office/infopath/2007/PartnerControls">
-          <TermName xmlns="http://schemas.microsoft.com/office/infopath/2007/PartnerControls">Administration</TermName>
-          <TermId xmlns="http://schemas.microsoft.com/office/infopath/2007/PartnerControls">15579f7e-1289-4124-875f-fbfdd1ce1e19</TermId>
-        </TermInfo>
-      </Terms>
-    </pde0b5a6bb7242599ac30d59622b742d>
-  </documentManagement>
-</p:properties>
-</file>
-
 <file path=customXml/item3.xml><?xml version="1.0" encoding="utf-8"?>
 <?mso-contentType ?>
-<SharedContentType xmlns="Microsoft.SharePoint.Taxonomy.ContentTypeSync" SourceId="3dae2bc9-964c-4bb7-94bc-c5dd0815213b" ContentTypeId="0x01010070FD3A26C879A74592BE4DD1CF6C17C51002" PreviousValue="false" LastSyncTimeStamp="2022-04-19T15:49:25.177Z"/>
+<FormTemplates xmlns="http://schemas.microsoft.com/sharepoint/v3/contenttype/forms">
+  <Display>DocumentLibraryForm</Display>
+  <Edit>DocumentLibraryForm</Edit>
+  <New>DocumentLibraryForm</New>
+</FormTemplates>
 </file>
 
 <file path=customXml/item4.xml><?xml version="1.0" encoding="utf-8"?>
@@ -17757,14 +17807,27 @@
 
 <file path=customXml/item5.xml><?xml version="1.0" encoding="utf-8"?>
 <?mso-contentType ?>
-<FormTemplates xmlns="http://schemas.microsoft.com/sharepoint/v3/contenttype/forms">
-  <Display>DocumentLibraryForm</Display>
-  <Edit>DocumentLibraryForm</Edit>
-  <New>DocumentLibraryForm</New>
-</FormTemplates>
+<SharedContentType xmlns="Microsoft.SharePoint.Taxonomy.ContentTypeSync" SourceId="3dae2bc9-964c-4bb7-94bc-c5dd0815213b" ContentTypeId="0x01010070FD3A26C879A74592BE4DD1CF6C17C51002" PreviousValue="false" LastSyncTimeStamp="2022-04-19T15:49:25.177Z"/>
 </file>
 
 <file path=customXml/itemProps1.xml><?xml version="1.0" encoding="utf-8"?>
+<ds:datastoreItem xmlns:ds="http://schemas.openxmlformats.org/officeDocument/2006/customXml" ds:itemID="{9C876B4E-9239-4840-BF5E-B55D728E076B}">
+  <ds:schemaRefs>
+    <ds:schemaRef ds:uri="http://schemas.microsoft.com/office/2006/metadata/properties"/>
+    <ds:schemaRef ds:uri="b73fb41d-4db5-49df-b889-ce373c40e3ec"/>
+    <ds:schemaRef ds:uri="http://www.w3.org/XML/1998/namespace"/>
+    <ds:schemaRef ds:uri="http://purl.org/dc/elements/1.1/"/>
+    <ds:schemaRef ds:uri="http://schemas.microsoft.com/office/infopath/2007/PartnerControls"/>
+    <ds:schemaRef ds:uri="http://purl.org/dc/dcmitype/"/>
+    <ds:schemaRef ds:uri="http://schemas.openxmlformats.org/package/2006/metadata/core-properties"/>
+    <ds:schemaRef ds:uri="http://schemas.microsoft.com/office/2006/documentManagement/types"/>
+    <ds:schemaRef ds:uri="9daf4fce-efdb-4f08-985f-94c0458ac4da"/>
+    <ds:schemaRef ds:uri="http://purl.org/dc/terms/"/>
+  </ds:schemaRefs>
+</ds:datastoreItem>
+</file>
+
+<file path=customXml/itemProps2.xml><?xml version="1.0" encoding="utf-8"?>
 <ds:datastoreItem xmlns:ds="http://schemas.openxmlformats.org/officeDocument/2006/customXml" ds:itemID="{C95DB8DD-2968-45AB-A0E1-F330D10D018A}">
   <ds:schemaRefs>
     <ds:schemaRef ds:uri="9daf4fce-efdb-4f08-985f-94c0458ac4da"/>
@@ -17783,27 +17846,10 @@
 </ds:datastoreItem>
 </file>
 
-<file path=customXml/itemProps2.xml><?xml version="1.0" encoding="utf-8"?>
-<ds:datastoreItem xmlns:ds="http://schemas.openxmlformats.org/officeDocument/2006/customXml" ds:itemID="{9C876B4E-9239-4840-BF5E-B55D728E076B}">
+<file path=customXml/itemProps3.xml><?xml version="1.0" encoding="utf-8"?>
+<ds:datastoreItem xmlns:ds="http://schemas.openxmlformats.org/officeDocument/2006/customXml" ds:itemID="{E3070A85-BE5F-4ECE-B1F6-8D04067ED971}">
   <ds:schemaRefs>
-    <ds:schemaRef ds:uri="http://schemas.microsoft.com/office/2006/metadata/properties"/>
-    <ds:schemaRef ds:uri="b73fb41d-4db5-49df-b889-ce373c40e3ec"/>
-    <ds:schemaRef ds:uri="http://www.w3.org/XML/1998/namespace"/>
-    <ds:schemaRef ds:uri="http://purl.org/dc/elements/1.1/"/>
-    <ds:schemaRef ds:uri="http://schemas.microsoft.com/office/infopath/2007/PartnerControls"/>
-    <ds:schemaRef ds:uri="http://purl.org/dc/dcmitype/"/>
-    <ds:schemaRef ds:uri="http://schemas.openxmlformats.org/package/2006/metadata/core-properties"/>
-    <ds:schemaRef ds:uri="http://schemas.microsoft.com/office/2006/documentManagement/types"/>
-    <ds:schemaRef ds:uri="9daf4fce-efdb-4f08-985f-94c0458ac4da"/>
-    <ds:schemaRef ds:uri="http://purl.org/dc/terms/"/>
-  </ds:schemaRefs>
-</ds:datastoreItem>
-</file>
-
-<file path=customXml/itemProps3.xml><?xml version="1.0" encoding="utf-8"?>
-<ds:datastoreItem xmlns:ds="http://schemas.openxmlformats.org/officeDocument/2006/customXml" ds:itemID="{C04A9EA0-F30C-4FDA-9437-BDAB378662C2}">
-  <ds:schemaRefs>
-    <ds:schemaRef ds:uri="Microsoft.SharePoint.Taxonomy.ContentTypeSync"/>
+    <ds:schemaRef ds:uri="http://schemas.microsoft.com/sharepoint/v3/contenttype/forms"/>
   </ds:schemaRefs>
 </ds:datastoreItem>
 </file>
@@ -17817,9 +17863,9 @@
 </file>
 
 <file path=customXml/itemProps5.xml><?xml version="1.0" encoding="utf-8"?>
-<ds:datastoreItem xmlns:ds="http://schemas.openxmlformats.org/officeDocument/2006/customXml" ds:itemID="{E3070A85-BE5F-4ECE-B1F6-8D04067ED971}">
+<ds:datastoreItem xmlns:ds="http://schemas.openxmlformats.org/officeDocument/2006/customXml" ds:itemID="{C04A9EA0-F30C-4FDA-9437-BDAB378662C2}">
   <ds:schemaRefs>
-    <ds:schemaRef ds:uri="http://schemas.microsoft.com/sharepoint/v3/contenttype/forms"/>
+    <ds:schemaRef ds:uri="Microsoft.SharePoint.Taxonomy.ContentTypeSync"/>
   </ds:schemaRefs>
 </ds:datastoreItem>
 </file>
--- a/www/LANDSCAPE_RESILIENCE.pptx
+++ b/www/LANDSCAPE_RESILIENCE.pptx
@@ -13090,7 +13090,15 @@
             </a:pPr>
             <a:r>
               <a:rPr lang="en-US" sz="1700" dirty="0"/>
-              <a:t>NCC’s Landscape scale is </a:t>
+              <a:t>NCC </a:t>
+            </a:r>
+            <a:r>
+              <a:rPr lang="en-US" sz="1700" b="1" dirty="0"/>
+              <a:t>measures</a:t>
+            </a:r>
+            <a:r>
+              <a:rPr lang="en-US" sz="1700" dirty="0"/>
+              <a:t> Landscape Resilience at </a:t>
             </a:r>
             <a:r>
               <a:rPr lang="en-US" sz="1700" b="1" dirty="0"/>
@@ -13098,7 +13106,7 @@
             </a:r>
             <a:r>
               <a:rPr lang="en-US" sz="1700" dirty="0"/>
-              <a:t>square pixel</a:t>
+              <a:t>pixel scale</a:t>
             </a:r>
           </a:p>
           <a:p>
@@ -14329,7 +14337,7 @@
         </p:spPr>
         <p:txBody>
           <a:bodyPr>
-            <a:normAutofit fontScale="92500" lnSpcReduction="10000"/>
+            <a:normAutofit lnSpcReduction="10000"/>
           </a:bodyPr>
           <a:lstStyle/>
           <a:p>
@@ -14356,22 +14364,13 @@
               </a:spcBef>
             </a:pPr>
             <a:r>
-              <a:rPr lang="en-US" sz="1700">
+              <a:rPr lang="en-US" sz="1700" dirty="0">
                 <a:solidFill>
                   <a:srgbClr val="000000"/>
                 </a:solidFill>
                 <a:latin typeface="Open Sans" panose="020B0606030504020204" pitchFamily="34" charset="0"/>
               </a:rPr>
-              <a:t>Addressing the </a:t>
-            </a:r>
-            <a:r>
-              <a:rPr lang="en-US" sz="1700" dirty="0">
-                <a:solidFill>
-                  <a:srgbClr val="000000"/>
-                </a:solidFill>
-                <a:latin typeface="Open Sans" panose="020B0606030504020204" pitchFamily="34" charset="0"/>
-              </a:rPr>
-              <a:t>existing protected area </a:t>
+              <a:t>Addressing the existing protected area </a:t>
             </a:r>
             <a:r>
               <a:rPr lang="en-US" sz="1700" b="1" dirty="0">
@@ -14443,7 +14442,7 @@
                 </a:solidFill>
                 <a:latin typeface="Open Sans" panose="020B0606030504020204" pitchFamily="34" charset="0"/>
               </a:rPr>
-              <a:t> within intact landscapes.</a:t>
+              <a:t>.</a:t>
             </a:r>
           </a:p>
           <a:p>
@@ -17813,16 +17812,16 @@
 <file path=customXml/itemProps1.xml><?xml version="1.0" encoding="utf-8"?>
 <ds:datastoreItem xmlns:ds="http://schemas.openxmlformats.org/officeDocument/2006/customXml" ds:itemID="{9C876B4E-9239-4840-BF5E-B55D728E076B}">
   <ds:schemaRefs>
+    <ds:schemaRef ds:uri="http://schemas.microsoft.com/office/2006/documentManagement/types"/>
+    <ds:schemaRef ds:uri="http://purl.org/dc/elements/1.1/"/>
     <ds:schemaRef ds:uri="http://schemas.microsoft.com/office/2006/metadata/properties"/>
+    <ds:schemaRef ds:uri="http://schemas.microsoft.com/office/infopath/2007/PartnerControls"/>
+    <ds:schemaRef ds:uri="http://schemas.openxmlformats.org/package/2006/metadata/core-properties"/>
+    <ds:schemaRef ds:uri="http://purl.org/dc/dcmitype/"/>
+    <ds:schemaRef ds:uri="9daf4fce-efdb-4f08-985f-94c0458ac4da"/>
+    <ds:schemaRef ds:uri="http://purl.org/dc/terms/"/>
     <ds:schemaRef ds:uri="b73fb41d-4db5-49df-b889-ce373c40e3ec"/>
     <ds:schemaRef ds:uri="http://www.w3.org/XML/1998/namespace"/>
-    <ds:schemaRef ds:uri="http://purl.org/dc/elements/1.1/"/>
-    <ds:schemaRef ds:uri="http://schemas.microsoft.com/office/infopath/2007/PartnerControls"/>
-    <ds:schemaRef ds:uri="http://purl.org/dc/dcmitype/"/>
-    <ds:schemaRef ds:uri="http://schemas.openxmlformats.org/package/2006/metadata/core-properties"/>
-    <ds:schemaRef ds:uri="http://schemas.microsoft.com/office/2006/documentManagement/types"/>
-    <ds:schemaRef ds:uri="9daf4fce-efdb-4f08-985f-94c0458ac4da"/>
-    <ds:schemaRef ds:uri="http://purl.org/dc/terms/"/>
   </ds:schemaRefs>
 </ds:datastoreItem>
 </file>

--- a/www/LANDSCAPE_RESILIENCE.pptx
+++ b/www/LANDSCAPE_RESILIENCE.pptx
@@ -227,7 +227,7 @@
           <a:p>
             <a:fld id="{6DF04430-EB95-4461-BE68-2466FDCE3B9D}" type="datetimeFigureOut">
               <a:rPr lang="en-CA" smtClean="0"/>
-              <a:t>2023-09-19</a:t>
+              <a:t>2023-09-28</a:t>
             </a:fld>
             <a:endParaRPr lang="en-CA"/>
           </a:p>
@@ -2595,7 +2595,7 @@
           <a:p>
             <a:fld id="{6F75FF30-D88A-4C26-A396-735F208F6573}" type="datetimeFigureOut">
               <a:rPr lang="en-US" smtClean="0"/>
-              <a:t>9/19/2023</a:t>
+              <a:t>9/28/2023</a:t>
             </a:fld>
             <a:endParaRPr lang="en-US"/>
           </a:p>
@@ -2795,7 +2795,7 @@
           <a:p>
             <a:fld id="{6F75FF30-D88A-4C26-A396-735F208F6573}" type="datetimeFigureOut">
               <a:rPr lang="en-US" smtClean="0"/>
-              <a:t>9/19/2023</a:t>
+              <a:t>9/28/2023</a:t>
             </a:fld>
             <a:endParaRPr lang="en-US"/>
           </a:p>
@@ -3005,7 +3005,7 @@
           <a:p>
             <a:fld id="{6F75FF30-D88A-4C26-A396-735F208F6573}" type="datetimeFigureOut">
               <a:rPr lang="en-US" smtClean="0"/>
-              <a:t>9/19/2023</a:t>
+              <a:t>9/28/2023</a:t>
             </a:fld>
             <a:endParaRPr lang="en-US"/>
           </a:p>
@@ -3146,7 +3146,7 @@
           <a:p>
             <a:fld id="{6F75FF30-D88A-4C26-A396-735F208F6573}" type="datetimeFigureOut">
               <a:rPr lang="en-US" smtClean="0"/>
-              <a:t>9/19/2023</a:t>
+              <a:t>9/28/2023</a:t>
             </a:fld>
             <a:endParaRPr lang="en-US"/>
           </a:p>
@@ -3346,7 +3346,7 @@
           <a:p>
             <a:fld id="{6F75FF30-D88A-4C26-A396-735F208F6573}" type="datetimeFigureOut">
               <a:rPr lang="en-US" smtClean="0"/>
-              <a:t>9/19/2023</a:t>
+              <a:t>9/28/2023</a:t>
             </a:fld>
             <a:endParaRPr lang="en-US"/>
           </a:p>
@@ -3628,7 +3628,7 @@
           <a:p>
             <a:fld id="{6F75FF30-D88A-4C26-A396-735F208F6573}" type="datetimeFigureOut">
               <a:rPr lang="en-US" smtClean="0"/>
-              <a:t>9/19/2023</a:t>
+              <a:t>9/28/2023</a:t>
             </a:fld>
             <a:endParaRPr lang="en-US"/>
           </a:p>
@@ -3896,7 +3896,7 @@
           <a:p>
             <a:fld id="{6F75FF30-D88A-4C26-A396-735F208F6573}" type="datetimeFigureOut">
               <a:rPr lang="en-US" smtClean="0"/>
-              <a:t>9/19/2023</a:t>
+              <a:t>9/28/2023</a:t>
             </a:fld>
             <a:endParaRPr lang="en-US"/>
           </a:p>
@@ -4311,7 +4311,7 @@
           <a:p>
             <a:fld id="{6F75FF30-D88A-4C26-A396-735F208F6573}" type="datetimeFigureOut">
               <a:rPr lang="en-US" smtClean="0"/>
-              <a:t>9/19/2023</a:t>
+              <a:t>9/28/2023</a:t>
             </a:fld>
             <a:endParaRPr lang="en-US"/>
           </a:p>
@@ -4453,7 +4453,7 @@
           <a:p>
             <a:fld id="{6F75FF30-D88A-4C26-A396-735F208F6573}" type="datetimeFigureOut">
               <a:rPr lang="en-US" smtClean="0"/>
-              <a:t>9/19/2023</a:t>
+              <a:t>9/28/2023</a:t>
             </a:fld>
             <a:endParaRPr lang="en-US"/>
           </a:p>
@@ -4566,7 +4566,7 @@
           <a:p>
             <a:fld id="{6F75FF30-D88A-4C26-A396-735F208F6573}" type="datetimeFigureOut">
               <a:rPr lang="en-US" smtClean="0"/>
-              <a:t>9/19/2023</a:t>
+              <a:t>9/28/2023</a:t>
             </a:fld>
             <a:endParaRPr lang="en-US"/>
           </a:p>
@@ -4879,7 +4879,7 @@
           <a:p>
             <a:fld id="{6F75FF30-D88A-4C26-A396-735F208F6573}" type="datetimeFigureOut">
               <a:rPr lang="en-US" smtClean="0"/>
-              <a:t>9/19/2023</a:t>
+              <a:t>9/28/2023</a:t>
             </a:fld>
             <a:endParaRPr lang="en-US"/>
           </a:p>
@@ -5158,7 +5158,7 @@
           <a:p>
             <a:fld id="{6F75FF30-D88A-4C26-A396-735F208F6573}" type="datetimeFigureOut">
               <a:rPr lang="en-US" smtClean="0"/>
-              <a:t>9/19/2023</a:t>
+              <a:t>9/28/2023</a:t>
             </a:fld>
             <a:endParaRPr lang="en-US"/>
           </a:p>
@@ -5710,7 +5710,7 @@
           <a:p>
             <a:r>
               <a:rPr lang="en-US" sz="800" dirty="0"/>
-              <a:t>Last major edit: Sep 14</a:t>
+              <a:t>Last major edit: Sep 28</a:t>
             </a:r>
             <a:r>
               <a:rPr lang="en-US" sz="800" baseline="30000" dirty="0"/>
@@ -8741,24 +8741,29 @@
           </a:p>
           <a:p>
             <a:pPr marL="0" indent="0">
-              <a:lnSpc>
-                <a:spcPct val="140000"/>
-              </a:lnSpc>
-              <a:buNone/>
-            </a:pPr>
-            <a:r>
-              <a:rPr lang="en-US" sz="2900" dirty="0">
-                <a:latin typeface="Verdana" panose="020B0604030504040204" pitchFamily="34" charset="0"/>
-                <a:ea typeface="Verdana" panose="020B0604030504040204" pitchFamily="34" charset="0"/>
-              </a:rPr>
-              <a:t>Where </a:t>
-            </a:r>
+              <a:spcBef>
+                <a:spcPts val="0"/>
+              </a:spcBef>
+              <a:buNone/>
+            </a:pPr>
+            <a:endParaRPr lang="en-US" sz="2900" b="1" dirty="0">
+              <a:latin typeface="Verdana" panose="020B0604030504040204" pitchFamily="34" charset="0"/>
+              <a:ea typeface="Verdana" panose="020B0604030504040204" pitchFamily="34" charset="0"/>
+            </a:endParaRPr>
+          </a:p>
+          <a:p>
+            <a:pPr marL="0" indent="0">
+              <a:spcBef>
+                <a:spcPts val="0"/>
+              </a:spcBef>
+              <a:buNone/>
+            </a:pPr>
             <a:r>
               <a:rPr lang="en-US" sz="2900" b="1" dirty="0">
                 <a:latin typeface="Verdana" panose="020B0604030504040204" pitchFamily="34" charset="0"/>
                 <a:ea typeface="Verdana" panose="020B0604030504040204" pitchFamily="34" charset="0"/>
               </a:rPr>
-              <a:t>value </a:t>
+              <a:t>Value </a:t>
             </a:r>
             <a:r>
               <a:rPr lang="en-US" sz="2900" dirty="0">
@@ -8769,26 +8774,71 @@
             </a:r>
           </a:p>
           <a:p>
+            <a:pPr marL="0" indent="0">
+              <a:spcBef>
+                <a:spcPts val="0"/>
+              </a:spcBef>
+              <a:buNone/>
+            </a:pPr>
+            <a:endParaRPr lang="en-US" sz="2900" dirty="0">
+              <a:latin typeface="Verdana" panose="020B0604030504040204" pitchFamily="34" charset="0"/>
+              <a:ea typeface="Verdana" panose="020B0604030504040204" pitchFamily="34" charset="0"/>
+            </a:endParaRPr>
+          </a:p>
+          <a:p>
+            <a:pPr marL="0" indent="0">
+              <a:spcBef>
+                <a:spcPts val="0"/>
+              </a:spcBef>
+              <a:buNone/>
+            </a:pPr>
+            <a:endParaRPr lang="en-US" sz="2900" dirty="0">
+              <a:latin typeface="Verdana" panose="020B0604030504040204" pitchFamily="34" charset="0"/>
+              <a:ea typeface="Verdana" panose="020B0604030504040204" pitchFamily="34" charset="0"/>
+            </a:endParaRPr>
+          </a:p>
+          <a:p>
             <a:pPr marL="0" indent="0" algn="ctr">
               <a:lnSpc>
                 <a:spcPct val="140000"/>
               </a:lnSpc>
               <a:spcBef>
-                <a:spcPts val="2400"/>
-              </a:spcBef>
-              <a:buNone/>
-            </a:pPr>
-            <a:r>
-              <a:rPr lang="en-US" sz="3800" b="1" dirty="0">
+                <a:spcPts val="0"/>
+              </a:spcBef>
+              <a:buNone/>
+            </a:pPr>
+            <a:r>
+              <a:rPr lang="en-US" sz="4500" b="1" dirty="0">
                 <a:highlight>
                   <a:srgbClr val="FFFF00"/>
                 </a:highlight>
                 <a:latin typeface="Verdana" panose="020B0604030504040204" pitchFamily="34" charset="0"/>
                 <a:ea typeface="Verdana" panose="020B0604030504040204" pitchFamily="34" charset="0"/>
               </a:rPr>
-              <a:t>Each unique 1km x 1km pixel has a score</a:t>
-            </a:r>
-            <a:endParaRPr lang="en-US" dirty="0"/>
+              <a:t>Each 1km x 1km pixel has a score. </a:t>
+            </a:r>
+          </a:p>
+          <a:p>
+            <a:pPr marL="0" indent="0" algn="ctr">
+              <a:lnSpc>
+                <a:spcPct val="140000"/>
+              </a:lnSpc>
+              <a:spcBef>
+                <a:spcPts val="0"/>
+              </a:spcBef>
+              <a:buNone/>
+            </a:pPr>
+            <a:r>
+              <a:rPr lang="en-US" sz="4500" b="1" dirty="0">
+                <a:highlight>
+                  <a:srgbClr val="FFFF00"/>
+                </a:highlight>
+                <a:latin typeface="Verdana" panose="020B0604030504040204" pitchFamily="34" charset="0"/>
+                <a:ea typeface="Verdana" panose="020B0604030504040204" pitchFamily="34" charset="0"/>
+              </a:rPr>
+              <a:t>All pixels make up the Base layer.</a:t>
+            </a:r>
+            <a:endParaRPr lang="en-US" sz="4500" dirty="0"/>
           </a:p>
           <a:p>
             <a:pPr marL="0" indent="0">
@@ -9337,7 +9387,7 @@
             </a:pPr>
             <a:r>
               <a:rPr lang="en-US" sz="1400" dirty="0"/>
-              <a:t>For now, each variable gets an equal weight of </a:t>
+              <a:t>For now, each variable gets an equal value of </a:t>
             </a:r>
             <a:r>
               <a:rPr lang="en-US" sz="1400" b="1" dirty="0"/>
@@ -9422,15 +9472,15 @@
               <a:t> or </a:t>
             </a:r>
             <a:r>
-              <a:rPr lang="en-US" sz="1400" b="1"/>
+              <a:rPr lang="en-US" sz="1400" b="1" dirty="0"/>
               <a:t>wrong </a:t>
             </a:r>
             <a:r>
-              <a:rPr lang="en-US" sz="1400"/>
+              <a:rPr lang="en-US" sz="1400" dirty="0"/>
               <a:t>approach,</a:t>
             </a:r>
             <a:r>
-              <a:rPr lang="en-US" sz="1400" b="1"/>
+              <a:rPr lang="en-US" sz="1400" b="1" dirty="0"/>
               <a:t> </a:t>
             </a:r>
             <a:r>
@@ -9800,7 +9850,7 @@
           <a:p>
             <a:r>
               <a:rPr lang="en-US" sz="800" dirty="0"/>
-              <a:t>Last major edit: Sep 14</a:t>
+              <a:t>Last major edit: Sep 28</a:t>
             </a:r>
             <a:r>
               <a:rPr lang="en-US" sz="800" baseline="30000" dirty="0"/>
@@ -12393,13 +12443,33 @@
               </a:lnSpc>
             </a:pPr>
             <a:r>
+              <a:rPr lang="en-US" sz="1700" b="1" dirty="0"/>
+              <a:t>Extending </a:t>
+            </a:r>
+            <a:r>
               <a:rPr lang="en-US" sz="1700" dirty="0"/>
-              <a:t>Finding agreement on Landscape Resilience </a:t>
+              <a:t>the prototype Landscape Resilience area to all of Canada</a:t>
+            </a:r>
+          </a:p>
+          <a:p>
+            <a:pPr>
+              <a:lnSpc>
+                <a:spcPct val="130000"/>
+              </a:lnSpc>
+            </a:pPr>
+            <a:r>
+              <a:rPr lang="en-US" sz="1700" dirty="0"/>
+              <a:t>Deciding if variables require a </a:t>
             </a:r>
             <a:r>
               <a:rPr lang="en-US" sz="1700" b="1" dirty="0"/>
-              <a:t>definition</a:t>
-            </a:r>
+              <a:t>relative value</a:t>
+            </a:r>
+            <a:r>
+              <a:rPr lang="en-US" sz="1700" dirty="0"/>
+              <a:t>. </a:t>
+            </a:r>
+            <a:endParaRPr lang="en-US" sz="1700" b="1" dirty="0"/>
           </a:p>
           <a:p>
             <a:pPr>
@@ -12409,58 +12479,15 @@
             </a:pPr>
             <a:r>
               <a:rPr lang="en-US" sz="1700" dirty="0"/>
-              <a:t>Finding agreement on Landscape Resilience</a:t>
-            </a:r>
-            <a:r>
-              <a:rPr lang="en-US" sz="1700" b="1" dirty="0"/>
-              <a:t> inputs</a:t>
-            </a:r>
-          </a:p>
-          <a:p>
-            <a:pPr>
-              <a:lnSpc>
-                <a:spcPct val="130000"/>
-              </a:lnSpc>
-            </a:pPr>
+              <a:t>Begin building the tool that will host the Landscape Resilience </a:t>
+            </a:r>
+            <a:r>
+              <a:rPr lang="en-US" sz="1700" dirty="0" err="1"/>
+              <a:t>Baselayer</a:t>
+            </a:r>
             <a:r>
               <a:rPr lang="en-US" sz="1700" dirty="0"/>
-              <a:t>Finding agreement on Landscape Resilience </a:t>
-            </a:r>
-            <a:r>
-              <a:rPr lang="en-US" sz="1700" b="1" dirty="0"/>
-              <a:t>values</a:t>
-            </a:r>
-            <a:endParaRPr lang="en-US" sz="1700" dirty="0"/>
-          </a:p>
-          <a:p>
-            <a:pPr>
-              <a:lnSpc>
-                <a:spcPct val="130000"/>
-              </a:lnSpc>
-            </a:pPr>
-            <a:r>
-              <a:rPr lang="en-US" sz="1700" dirty="0"/>
-              <a:t>Communicating the difference between Landscape Resilience </a:t>
-            </a:r>
-            <a:r>
-              <a:rPr lang="en-US" sz="1700" b="1" dirty="0"/>
-              <a:t>concept</a:t>
-            </a:r>
-            <a:r>
-              <a:rPr lang="en-US" sz="1700" dirty="0"/>
-              <a:t>, </a:t>
-            </a:r>
-            <a:r>
-              <a:rPr lang="en-US" sz="1700" b="1" dirty="0"/>
-              <a:t>score</a:t>
-            </a:r>
-            <a:r>
-              <a:rPr lang="en-US" sz="1700" dirty="0"/>
-              <a:t> and </a:t>
-            </a:r>
-            <a:r>
-              <a:rPr lang="en-US" sz="1700" b="1" dirty="0"/>
-              <a:t>tool</a:t>
+              <a:t> and extract Landscape Resilience Scores.</a:t>
             </a:r>
           </a:p>
           <a:p>
@@ -12786,7 +12813,7 @@
         </p:spPr>
         <p:txBody>
           <a:bodyPr>
-            <a:normAutofit fontScale="92500"/>
+            <a:normAutofit fontScale="92500" lnSpcReduction="20000"/>
           </a:bodyPr>
           <a:lstStyle/>
           <a:p>
@@ -12881,7 +12908,8 @@
                 <a:solidFill>
                   <a:srgbClr val="000000"/>
                 </a:solidFill>
-                <a:latin typeface="Open Sans" panose="020B0606030504020204" pitchFamily="34" charset="0"/>
+                <a:latin typeface="Verdana" panose="020B0604030504040204" pitchFamily="34" charset="0"/>
+                <a:ea typeface="Verdana" panose="020B0604030504040204" pitchFamily="34" charset="0"/>
               </a:rPr>
               <a:t>For </a:t>
             </a:r>
@@ -12891,7 +12919,8 @@
                   <a:srgbClr val="000000"/>
                 </a:solidFill>
                 <a:effectLst/>
-                <a:latin typeface="Open Sans" panose="020B0606030504020204" pitchFamily="34" charset="0"/>
+                <a:latin typeface="Verdana" panose="020B0604030504040204" pitchFamily="34" charset="0"/>
+                <a:ea typeface="Verdana" panose="020B0604030504040204" pitchFamily="34" charset="0"/>
               </a:rPr>
               <a:t>a </a:t>
             </a:r>
@@ -12901,7 +12930,8 @@
                   <a:srgbClr val="000000"/>
                 </a:solidFill>
                 <a:effectLst/>
-                <a:latin typeface="Open Sans" panose="020B0606030504020204" pitchFamily="34" charset="0"/>
+                <a:latin typeface="Verdana" panose="020B0604030504040204" pitchFamily="34" charset="0"/>
+                <a:ea typeface="Verdana" panose="020B0604030504040204" pitchFamily="34" charset="0"/>
               </a:rPr>
               <a:t>landscape</a:t>
             </a:r>
@@ -12911,7 +12941,8 @@
                   <a:srgbClr val="000000"/>
                 </a:solidFill>
                 <a:effectLst/>
-                <a:latin typeface="Open Sans" panose="020B0606030504020204" pitchFamily="34" charset="0"/>
+                <a:latin typeface="Verdana" panose="020B0604030504040204" pitchFamily="34" charset="0"/>
+                <a:ea typeface="Verdana" panose="020B0604030504040204" pitchFamily="34" charset="0"/>
               </a:rPr>
               <a:t> to be </a:t>
             </a:r>
@@ -12921,7 +12952,8 @@
                   <a:srgbClr val="000000"/>
                 </a:solidFill>
                 <a:effectLst/>
-                <a:latin typeface="Open Sans" panose="020B0606030504020204" pitchFamily="34" charset="0"/>
+                <a:latin typeface="Verdana" panose="020B0604030504040204" pitchFamily="34" charset="0"/>
+                <a:ea typeface="Verdana" panose="020B0604030504040204" pitchFamily="34" charset="0"/>
               </a:rPr>
               <a:t>resilient</a:t>
             </a:r>
@@ -12931,7 +12963,8 @@
                   <a:srgbClr val="000000"/>
                 </a:solidFill>
                 <a:effectLst/>
-                <a:latin typeface="Open Sans" panose="020B0606030504020204" pitchFamily="34" charset="0"/>
+                <a:latin typeface="Verdana" panose="020B0604030504040204" pitchFamily="34" charset="0"/>
+                <a:ea typeface="Verdana" panose="020B0604030504040204" pitchFamily="34" charset="0"/>
               </a:rPr>
               <a:t>, it must be able to </a:t>
             </a:r>
@@ -12941,7 +12974,8 @@
                   <a:srgbClr val="000000"/>
                 </a:solidFill>
                 <a:effectLst/>
-                <a:latin typeface="Open Sans" panose="020B0606030504020204" pitchFamily="34" charset="0"/>
+                <a:latin typeface="Verdana" panose="020B0604030504040204" pitchFamily="34" charset="0"/>
+                <a:ea typeface="Verdana" panose="020B0604030504040204" pitchFamily="34" charset="0"/>
               </a:rPr>
               <a:t>adapt </a:t>
             </a:r>
@@ -12951,7 +12985,8 @@
                   <a:srgbClr val="000000"/>
                 </a:solidFill>
                 <a:effectLst/>
-                <a:latin typeface="Open Sans" panose="020B0606030504020204" pitchFamily="34" charset="0"/>
+                <a:latin typeface="Verdana" panose="020B0604030504040204" pitchFamily="34" charset="0"/>
+                <a:ea typeface="Verdana" panose="020B0604030504040204" pitchFamily="34" charset="0"/>
               </a:rPr>
               <a:t>to pressures over time in a way that supports the </a:t>
             </a:r>
@@ -12961,7 +12996,8 @@
                   <a:srgbClr val="000000"/>
                 </a:solidFill>
                 <a:effectLst/>
-                <a:latin typeface="Open Sans" panose="020B0606030504020204" pitchFamily="34" charset="0"/>
+                <a:latin typeface="Verdana" panose="020B0604030504040204" pitchFamily="34" charset="0"/>
+                <a:ea typeface="Verdana" panose="020B0604030504040204" pitchFamily="34" charset="0"/>
               </a:rPr>
               <a:t>long-term </a:t>
             </a:r>
@@ -12970,7 +13006,8 @@
                 <a:solidFill>
                   <a:srgbClr val="000000"/>
                 </a:solidFill>
-                <a:latin typeface="Open Sans" panose="020B0606030504020204" pitchFamily="34" charset="0"/>
+                <a:latin typeface="Verdana" panose="020B0604030504040204" pitchFamily="34" charset="0"/>
+                <a:ea typeface="Verdana" panose="020B0604030504040204" pitchFamily="34" charset="0"/>
               </a:rPr>
               <a:t>survival</a:t>
             </a:r>
@@ -12980,7 +13017,8 @@
                   <a:srgbClr val="000000"/>
                 </a:solidFill>
                 <a:effectLst/>
-                <a:latin typeface="Open Sans" panose="020B0606030504020204" pitchFamily="34" charset="0"/>
+                <a:latin typeface="Verdana" panose="020B0604030504040204" pitchFamily="34" charset="0"/>
+                <a:ea typeface="Verdana" panose="020B0604030504040204" pitchFamily="34" charset="0"/>
               </a:rPr>
               <a:t> </a:t>
             </a:r>
@@ -12990,7 +13028,8 @@
                   <a:srgbClr val="000000"/>
                 </a:solidFill>
                 <a:effectLst/>
-                <a:latin typeface="Open Sans" panose="020B0606030504020204" pitchFamily="34" charset="0"/>
+                <a:latin typeface="Verdana" panose="020B0604030504040204" pitchFamily="34" charset="0"/>
+                <a:ea typeface="Verdana" panose="020B0604030504040204" pitchFamily="34" charset="0"/>
               </a:rPr>
               <a:t>of biodiversity and ecosystems.</a:t>
             </a:r>
@@ -13010,7 +13049,8 @@
                 <a:srgbClr val="000000"/>
               </a:solidFill>
               <a:effectLst/>
-              <a:latin typeface="Open Sans" panose="020B0606030504020204" pitchFamily="34" charset="0"/>
+              <a:latin typeface="Verdana" panose="020B0604030504040204" pitchFamily="34" charset="0"/>
+              <a:ea typeface="Verdana" panose="020B0604030504040204" pitchFamily="34" charset="0"/>
             </a:endParaRPr>
           </a:p>
           <a:p>
@@ -13027,7 +13067,8 @@
                 <a:solidFill>
                   <a:srgbClr val="000000"/>
                 </a:solidFill>
-                <a:latin typeface="Open Sans" panose="020B0606030504020204" pitchFamily="34" charset="0"/>
+                <a:latin typeface="Verdana" panose="020B0604030504040204" pitchFamily="34" charset="0"/>
+                <a:ea typeface="Verdana" panose="020B0604030504040204" pitchFamily="34" charset="0"/>
               </a:rPr>
               <a:t>Landscape Resilience within this context considers </a:t>
             </a:r>
@@ -13036,7 +13077,8 @@
                 <a:solidFill>
                   <a:srgbClr val="000000"/>
                 </a:solidFill>
-                <a:latin typeface="Open Sans" panose="020B0606030504020204" pitchFamily="34" charset="0"/>
+                <a:latin typeface="Verdana" panose="020B0604030504040204" pitchFamily="34" charset="0"/>
+                <a:ea typeface="Verdana" panose="020B0604030504040204" pitchFamily="34" charset="0"/>
               </a:rPr>
               <a:t>ecological variables </a:t>
             </a:r>
@@ -13045,7 +13087,8 @@
                 <a:solidFill>
                   <a:srgbClr val="000000"/>
                 </a:solidFill>
-                <a:latin typeface="Open Sans" panose="020B0606030504020204" pitchFamily="34" charset="0"/>
+                <a:latin typeface="Verdana" panose="020B0604030504040204" pitchFamily="34" charset="0"/>
+                <a:ea typeface="Verdana" panose="020B0604030504040204" pitchFamily="34" charset="0"/>
               </a:rPr>
               <a:t>and aligns more closely with </a:t>
             </a:r>
@@ -13054,7 +13097,8 @@
                 <a:solidFill>
                   <a:srgbClr val="000000"/>
                 </a:solidFill>
-                <a:latin typeface="Open Sans" panose="020B0606030504020204" pitchFamily="34" charset="0"/>
+                <a:latin typeface="Verdana" panose="020B0604030504040204" pitchFamily="34" charset="0"/>
+                <a:ea typeface="Verdana" panose="020B0604030504040204" pitchFamily="34" charset="0"/>
               </a:rPr>
               <a:t>Ecological Resilience </a:t>
             </a:r>
@@ -13063,7 +13107,8 @@
                 <a:solidFill>
                   <a:srgbClr val="000000"/>
                 </a:solidFill>
-                <a:latin typeface="Open Sans" panose="020B0606030504020204" pitchFamily="34" charset="0"/>
+                <a:latin typeface="Verdana" panose="020B0604030504040204" pitchFamily="34" charset="0"/>
+                <a:ea typeface="Verdana" panose="020B0604030504040204" pitchFamily="34" charset="0"/>
               </a:rPr>
               <a:t>defined in the academic literature.</a:t>
             </a:r>
@@ -13077,7 +13122,10 @@
                 <a:spcPts val="400"/>
               </a:spcBef>
             </a:pPr>
-            <a:endParaRPr lang="en-US" sz="1700" dirty="0"/>
+            <a:endParaRPr lang="en-US" sz="1700" dirty="0">
+              <a:latin typeface="Verdana" panose="020B0604030504040204" pitchFamily="34" charset="0"/>
+              <a:ea typeface="Verdana" panose="020B0604030504040204" pitchFamily="34" charset="0"/>
+            </a:endParaRPr>
           </a:p>
           <a:p>
             <a:pPr>
@@ -13089,23 +13137,38 @@
               </a:spcBef>
             </a:pPr>
             <a:r>
-              <a:rPr lang="en-US" sz="1700" dirty="0"/>
+              <a:rPr lang="en-US" sz="1700" dirty="0">
+                <a:latin typeface="Verdana" panose="020B0604030504040204" pitchFamily="34" charset="0"/>
+                <a:ea typeface="Verdana" panose="020B0604030504040204" pitchFamily="34" charset="0"/>
+              </a:rPr>
               <a:t>NCC </a:t>
             </a:r>
             <a:r>
-              <a:rPr lang="en-US" sz="1700" b="1" dirty="0"/>
+              <a:rPr lang="en-US" sz="1700" b="1" dirty="0">
+                <a:latin typeface="Verdana" panose="020B0604030504040204" pitchFamily="34" charset="0"/>
+                <a:ea typeface="Verdana" panose="020B0604030504040204" pitchFamily="34" charset="0"/>
+              </a:rPr>
               <a:t>measures</a:t>
             </a:r>
             <a:r>
-              <a:rPr lang="en-US" sz="1700" dirty="0"/>
-              <a:t> Landscape Resilience at </a:t>
-            </a:r>
-            <a:r>
-              <a:rPr lang="en-US" sz="1700" b="1" dirty="0"/>
+              <a:rPr lang="en-US" sz="1700" dirty="0">
+                <a:latin typeface="Verdana" panose="020B0604030504040204" pitchFamily="34" charset="0"/>
+                <a:ea typeface="Verdana" panose="020B0604030504040204" pitchFamily="34" charset="0"/>
+              </a:rPr>
+              <a:t> Landscape Resilience at the </a:t>
+            </a:r>
+            <a:r>
+              <a:rPr lang="en-US" sz="1700" b="1" dirty="0">
+                <a:latin typeface="Verdana" panose="020B0604030504040204" pitchFamily="34" charset="0"/>
+                <a:ea typeface="Verdana" panose="020B0604030504040204" pitchFamily="34" charset="0"/>
+              </a:rPr>
               <a:t>1km x 1km </a:t>
             </a:r>
             <a:r>
-              <a:rPr lang="en-US" sz="1700" dirty="0"/>
+              <a:rPr lang="en-US" sz="1700" dirty="0">
+                <a:latin typeface="Verdana" panose="020B0604030504040204" pitchFamily="34" charset="0"/>
+                <a:ea typeface="Verdana" panose="020B0604030504040204" pitchFamily="34" charset="0"/>
+              </a:rPr>
               <a:t>pixel scale</a:t>
             </a:r>
           </a:p>
@@ -14337,7 +14400,7 @@
         </p:spPr>
         <p:txBody>
           <a:bodyPr>
-            <a:normAutofit lnSpcReduction="10000"/>
+            <a:normAutofit fontScale="92500"/>
           </a:bodyPr>
           <a:lstStyle/>
           <a:p>
@@ -14368,7 +14431,8 @@
                 <a:solidFill>
                   <a:srgbClr val="000000"/>
                 </a:solidFill>
-                <a:latin typeface="Open Sans" panose="020B0606030504020204" pitchFamily="34" charset="0"/>
+                <a:latin typeface="Verdana" panose="020B0604030504040204" pitchFamily="34" charset="0"/>
+                <a:ea typeface="Verdana" panose="020B0604030504040204" pitchFamily="34" charset="0"/>
               </a:rPr>
               <a:t>Addressing the existing protected area </a:t>
             </a:r>
@@ -14377,7 +14441,8 @@
                 <a:solidFill>
                   <a:srgbClr val="000000"/>
                 </a:solidFill>
-                <a:latin typeface="Open Sans" panose="020B0606030504020204" pitchFamily="34" charset="0"/>
+                <a:latin typeface="Verdana" panose="020B0604030504040204" pitchFamily="34" charset="0"/>
+                <a:ea typeface="Verdana" panose="020B0604030504040204" pitchFamily="34" charset="0"/>
               </a:rPr>
               <a:t>gaps</a:t>
             </a:r>
@@ -14386,7 +14451,8 @@
                 <a:solidFill>
                   <a:srgbClr val="000000"/>
                 </a:solidFill>
-                <a:latin typeface="Open Sans" panose="020B0606030504020204" pitchFamily="34" charset="0"/>
+                <a:latin typeface="Verdana" panose="020B0604030504040204" pitchFamily="34" charset="0"/>
+                <a:ea typeface="Verdana" panose="020B0604030504040204" pitchFamily="34" charset="0"/>
               </a:rPr>
               <a:t> to better </a:t>
             </a:r>
@@ -14395,7 +14461,8 @@
                 <a:solidFill>
                   <a:srgbClr val="000000"/>
                 </a:solidFill>
-                <a:latin typeface="Open Sans" panose="020B0606030504020204" pitchFamily="34" charset="0"/>
+                <a:latin typeface="Verdana" panose="020B0604030504040204" pitchFamily="34" charset="0"/>
+                <a:ea typeface="Verdana" panose="020B0604030504040204" pitchFamily="34" charset="0"/>
               </a:rPr>
               <a:t>represent</a:t>
             </a:r>
@@ -14404,7 +14471,8 @@
                 <a:solidFill>
                   <a:srgbClr val="000000"/>
                 </a:solidFill>
-                <a:latin typeface="Open Sans" panose="020B0606030504020204" pitchFamily="34" charset="0"/>
+                <a:latin typeface="Verdana" panose="020B0604030504040204" pitchFamily="34" charset="0"/>
+                <a:ea typeface="Verdana" panose="020B0604030504040204" pitchFamily="34" charset="0"/>
               </a:rPr>
               <a:t> ecosystems, increase </a:t>
             </a:r>
@@ -14413,7 +14481,8 @@
                 <a:solidFill>
                   <a:srgbClr val="000000"/>
                 </a:solidFill>
-                <a:latin typeface="Open Sans" panose="020B0606030504020204" pitchFamily="34" charset="0"/>
+                <a:latin typeface="Verdana" panose="020B0604030504040204" pitchFamily="34" charset="0"/>
+                <a:ea typeface="Verdana" panose="020B0604030504040204" pitchFamily="34" charset="0"/>
               </a:rPr>
               <a:t>connectivity</a:t>
             </a:r>
@@ -14422,7 +14491,8 @@
                 <a:solidFill>
                   <a:srgbClr val="000000"/>
                 </a:solidFill>
-                <a:latin typeface="Open Sans" panose="020B0606030504020204" pitchFamily="34" charset="0"/>
+                <a:latin typeface="Verdana" panose="020B0604030504040204" pitchFamily="34" charset="0"/>
+                <a:ea typeface="Verdana" panose="020B0604030504040204" pitchFamily="34" charset="0"/>
               </a:rPr>
               <a:t> and promote species </a:t>
             </a:r>
@@ -14431,7 +14501,8 @@
                 <a:solidFill>
                   <a:srgbClr val="000000"/>
                 </a:solidFill>
-                <a:latin typeface="Open Sans" panose="020B0606030504020204" pitchFamily="34" charset="0"/>
+                <a:latin typeface="Verdana" panose="020B0604030504040204" pitchFamily="34" charset="0"/>
+                <a:ea typeface="Verdana" panose="020B0604030504040204" pitchFamily="34" charset="0"/>
               </a:rPr>
               <a:t>persistence</a:t>
             </a:r>
@@ -14440,7 +14511,8 @@
                 <a:solidFill>
                   <a:srgbClr val="000000"/>
                 </a:solidFill>
-                <a:latin typeface="Open Sans" panose="020B0606030504020204" pitchFamily="34" charset="0"/>
+                <a:latin typeface="Verdana" panose="020B0604030504040204" pitchFamily="34" charset="0"/>
+                <a:ea typeface="Verdana" panose="020B0604030504040204" pitchFamily="34" charset="0"/>
               </a:rPr>
               <a:t>.</a:t>
             </a:r>
@@ -14459,7 +14531,8 @@
               <a:solidFill>
                 <a:srgbClr val="000000"/>
               </a:solidFill>
-              <a:latin typeface="Open Sans" panose="020B0606030504020204" pitchFamily="34" charset="0"/>
+              <a:latin typeface="Verdana" panose="020B0604030504040204" pitchFamily="34" charset="0"/>
+              <a:ea typeface="Verdana" panose="020B0604030504040204" pitchFamily="34" charset="0"/>
             </a:endParaRPr>
           </a:p>
           <a:p>
@@ -14476,7 +14549,8 @@
                 <a:solidFill>
                   <a:srgbClr val="000000"/>
                 </a:solidFill>
-                <a:latin typeface="Open Sans" panose="020B0606030504020204" pitchFamily="34" charset="0"/>
+                <a:latin typeface="Verdana" panose="020B0604030504040204" pitchFamily="34" charset="0"/>
+                <a:ea typeface="Verdana" panose="020B0604030504040204" pitchFamily="34" charset="0"/>
               </a:rPr>
               <a:t>By building a system of protected areas with a </a:t>
             </a:r>
@@ -14485,7 +14559,8 @@
                 <a:solidFill>
                   <a:srgbClr val="000000"/>
                 </a:solidFill>
-                <a:latin typeface="Open Sans" panose="020B0606030504020204" pitchFamily="34" charset="0"/>
+                <a:latin typeface="Verdana" panose="020B0604030504040204" pitchFamily="34" charset="0"/>
+                <a:ea typeface="Verdana" panose="020B0604030504040204" pitchFamily="34" charset="0"/>
               </a:rPr>
               <a:t>diverse</a:t>
             </a:r>
@@ -14494,7 +14569,8 @@
                 <a:solidFill>
                   <a:srgbClr val="000000"/>
                 </a:solidFill>
-                <a:latin typeface="Open Sans" panose="020B0606030504020204" pitchFamily="34" charset="0"/>
+                <a:latin typeface="Verdana" panose="020B0604030504040204" pitchFamily="34" charset="0"/>
+                <a:ea typeface="Verdana" panose="020B0604030504040204" pitchFamily="34" charset="0"/>
               </a:rPr>
               <a:t> ecological portfolio to help </a:t>
             </a:r>
@@ -14503,7 +14579,8 @@
                 <a:solidFill>
                   <a:srgbClr val="000000"/>
                 </a:solidFill>
-                <a:latin typeface="Open Sans" panose="020B0606030504020204" pitchFamily="34" charset="0"/>
+                <a:latin typeface="Verdana" panose="020B0604030504040204" pitchFamily="34" charset="0"/>
+                <a:ea typeface="Verdana" panose="020B0604030504040204" pitchFamily="34" charset="0"/>
               </a:rPr>
               <a:t>mitigate</a:t>
             </a:r>
@@ -14512,7 +14589,8 @@
                 <a:solidFill>
                   <a:srgbClr val="000000"/>
                 </a:solidFill>
-                <a:latin typeface="Open Sans" panose="020B0606030504020204" pitchFamily="34" charset="0"/>
+                <a:latin typeface="Verdana" panose="020B0604030504040204" pitchFamily="34" charset="0"/>
+                <a:ea typeface="Verdana" panose="020B0604030504040204" pitchFamily="34" charset="0"/>
               </a:rPr>
               <a:t> the risk of biodiversity loss.</a:t>
             </a:r>
@@ -14531,7 +14609,8 @@
               <a:solidFill>
                 <a:srgbClr val="000000"/>
               </a:solidFill>
-              <a:latin typeface="Open Sans" panose="020B0606030504020204" pitchFamily="34" charset="0"/>
+              <a:latin typeface="Verdana" panose="020B0604030504040204" pitchFamily="34" charset="0"/>
+              <a:ea typeface="Verdana" panose="020B0604030504040204" pitchFamily="34" charset="0"/>
             </a:endParaRPr>
           </a:p>
           <a:p>
@@ -14548,16 +14627,18 @@
                 <a:solidFill>
                   <a:srgbClr val="000000"/>
                 </a:solidFill>
-                <a:latin typeface="Open Sans" panose="020B0606030504020204" pitchFamily="34" charset="0"/>
+                <a:latin typeface="Verdana" panose="020B0604030504040204" pitchFamily="34" charset="0"/>
+                <a:ea typeface="Verdana" panose="020B0604030504040204" pitchFamily="34" charset="0"/>
               </a:rPr>
-              <a:t>Adding redundancy of species and their habitat through protection ensures persistence of biodiversity at the </a:t>
+              <a:t>Adding redundancy of species and their habitat through protection supports persistence of biodiversity at the </a:t>
             </a:r>
             <a:r>
               <a:rPr lang="en-US" sz="1700" b="1" dirty="0">
                 <a:solidFill>
                   <a:srgbClr val="000000"/>
                 </a:solidFill>
-                <a:latin typeface="Open Sans" panose="020B0606030504020204" pitchFamily="34" charset="0"/>
+                <a:latin typeface="Verdana" panose="020B0604030504040204" pitchFamily="34" charset="0"/>
+                <a:ea typeface="Verdana" panose="020B0604030504040204" pitchFamily="34" charset="0"/>
               </a:rPr>
               <a:t>landscape level </a:t>
             </a:r>
@@ -14566,7 +14647,8 @@
                 <a:solidFill>
                   <a:srgbClr val="000000"/>
                 </a:solidFill>
-                <a:latin typeface="Open Sans" panose="020B0606030504020204" pitchFamily="34" charset="0"/>
+                <a:latin typeface="Verdana" panose="020B0604030504040204" pitchFamily="34" charset="0"/>
+                <a:ea typeface="Verdana" panose="020B0604030504040204" pitchFamily="34" charset="0"/>
               </a:rPr>
               <a:t>(Peterson, Allen &amp; </a:t>
             </a:r>
@@ -14575,7 +14657,8 @@
                 <a:solidFill>
                   <a:srgbClr val="000000"/>
                 </a:solidFill>
-                <a:latin typeface="Open Sans" panose="020B0606030504020204" pitchFamily="34" charset="0"/>
+                <a:latin typeface="Verdana" panose="020B0604030504040204" pitchFamily="34" charset="0"/>
+                <a:ea typeface="Verdana" panose="020B0604030504040204" pitchFamily="34" charset="0"/>
               </a:rPr>
               <a:t>Holling</a:t>
             </a:r>
@@ -14584,7 +14667,8 @@
                 <a:solidFill>
                   <a:srgbClr val="000000"/>
                 </a:solidFill>
-                <a:latin typeface="Open Sans" panose="020B0606030504020204" pitchFamily="34" charset="0"/>
+                <a:latin typeface="Verdana" panose="020B0604030504040204" pitchFamily="34" charset="0"/>
+                <a:ea typeface="Verdana" panose="020B0604030504040204" pitchFamily="34" charset="0"/>
               </a:rPr>
               <a:t>, 1998).</a:t>
             </a:r>
@@ -14791,11 +14875,19 @@
             </a:r>
             <a:r>
               <a:rPr lang="en-US" sz="1700" b="1" dirty="0"/>
-              <a:t>operationalize</a:t>
+              <a:t>scope</a:t>
             </a:r>
             <a:r>
               <a:rPr lang="en-US" sz="1700" dirty="0"/>
-              <a:t> the concept of Landscape Resilience. </a:t>
+              <a:t> and </a:t>
+            </a:r>
+            <a:r>
+              <a:rPr lang="en-US" sz="1700" b="1" dirty="0"/>
+              <a:t>compare</a:t>
+            </a:r>
+            <a:r>
+              <a:rPr lang="en-US" sz="1700" dirty="0"/>
+              <a:t> areas based on Landscape Resilience. </a:t>
             </a:r>
           </a:p>
           <a:p>
@@ -14820,7 +14912,7 @@
             </a:pPr>
             <a:r>
               <a:rPr lang="en-US" sz="1700" dirty="0"/>
-              <a:t>To consolidate conservation variables that support the definition of Landscape Resilience into a </a:t>
+              <a:t>To consolidate conservation variables that align with the definition of Landscape Resilience into a </a:t>
             </a:r>
             <a:r>
               <a:rPr lang="en-US" sz="1700" b="1" dirty="0"/>
@@ -14850,23 +14942,15 @@
             </a:pPr>
             <a:r>
               <a:rPr lang="en-US" sz="1700" dirty="0"/>
-              <a:t>To </a:t>
+              <a:t>To</a:t>
             </a:r>
             <a:r>
               <a:rPr lang="en-US" sz="1700" b="1" dirty="0"/>
-              <a:t>assess </a:t>
+              <a:t> support</a:t>
             </a:r>
             <a:r>
               <a:rPr lang="en-US" sz="1700" dirty="0"/>
-              <a:t>a project’s contribution to Landscape Resilience and </a:t>
-            </a:r>
-            <a:r>
-              <a:rPr lang="en-US" sz="1700" b="1" dirty="0"/>
-              <a:t>validate</a:t>
-            </a:r>
-            <a:r>
-              <a:rPr lang="en-US" sz="1700" dirty="0"/>
-              <a:t> securement.</a:t>
+              <a:t> securement and stewardship by assessing a project’s contribution to Landscape Resilience.</a:t>
             </a:r>
           </a:p>
           <a:p>
@@ -15058,7 +15142,7 @@
         </p:spPr>
         <p:txBody>
           <a:bodyPr>
-            <a:normAutofit/>
+            <a:normAutofit lnSpcReduction="10000"/>
           </a:bodyPr>
           <a:lstStyle/>
           <a:p>
@@ -15112,11 +15196,11 @@
             </a:pPr>
             <a:r>
               <a:rPr lang="en-US" sz="1700" dirty="0"/>
-              <a:t>Guide Project Management Plans and validate </a:t>
+              <a:t>Support project management plans, securement and stewardship</a:t>
             </a:r>
             <a:r>
               <a:rPr lang="en-US" sz="1700" b="1" dirty="0"/>
-              <a:t>Securement </a:t>
+              <a:t> </a:t>
             </a:r>
           </a:p>
           <a:p>
@@ -15296,19 +15380,8 @@
                   <a:schemeClr val="tx1"/>
                 </a:solidFill>
               </a:rPr>
-              <a:t>conservation themes that capture concepts of Landscape Resilience impacts and risks:</a:t>
-            </a:r>
-          </a:p>
-          <a:p>
-            <a:pPr marL="0" indent="0">
-              <a:lnSpc>
-                <a:spcPct val="120000"/>
-              </a:lnSpc>
-              <a:spcBef>
-                <a:spcPts val="0"/>
-              </a:spcBef>
-              <a:buNone/>
-            </a:pPr>
+              <a:t>conservation themes that capture concepts of Landscape Resilience</a:t>
+            </a:r>
             <a:endParaRPr lang="en-US" sz="800" b="1" dirty="0">
               <a:solidFill>
                 <a:schemeClr val="tx1"/>
@@ -17812,16 +17885,16 @@
 <file path=customXml/itemProps1.xml><?xml version="1.0" encoding="utf-8"?>
 <ds:datastoreItem xmlns:ds="http://schemas.openxmlformats.org/officeDocument/2006/customXml" ds:itemID="{9C876B4E-9239-4840-BF5E-B55D728E076B}">
   <ds:schemaRefs>
+    <ds:schemaRef ds:uri="http://schemas.microsoft.com/office/infopath/2007/PartnerControls"/>
+    <ds:schemaRef ds:uri="http://purl.org/dc/dcmitype/"/>
+    <ds:schemaRef ds:uri="http://purl.org/dc/elements/1.1/"/>
     <ds:schemaRef ds:uri="http://schemas.microsoft.com/office/2006/documentManagement/types"/>
-    <ds:schemaRef ds:uri="http://purl.org/dc/elements/1.1/"/>
+    <ds:schemaRef ds:uri="http://www.w3.org/XML/1998/namespace"/>
     <ds:schemaRef ds:uri="http://schemas.microsoft.com/office/2006/metadata/properties"/>
-    <ds:schemaRef ds:uri="http://schemas.microsoft.com/office/infopath/2007/PartnerControls"/>
+    <ds:schemaRef ds:uri="http://purl.org/dc/terms/"/>
     <ds:schemaRef ds:uri="http://schemas.openxmlformats.org/package/2006/metadata/core-properties"/>
-    <ds:schemaRef ds:uri="http://purl.org/dc/dcmitype/"/>
     <ds:schemaRef ds:uri="9daf4fce-efdb-4f08-985f-94c0458ac4da"/>
-    <ds:schemaRef ds:uri="http://purl.org/dc/terms/"/>
     <ds:schemaRef ds:uri="b73fb41d-4db5-49df-b889-ce373c40e3ec"/>
-    <ds:schemaRef ds:uri="http://www.w3.org/XML/1998/namespace"/>
   </ds:schemaRefs>
 </ds:datastoreItem>
 </file>
